--- a/Apresentação de Teste de SQL.pptx
+++ b/Apresentação de Teste de SQL.pptx
@@ -112,6 +112,671 @@
     </a:lvl9pPr>
   </p:defaultTextStyle>
 </p:presentation>
+</file>
+
+<file path=ppt/charts/chart1.xml><?xml version="1.0" encoding="utf-8"?>
+<c:chartSpace xmlns:c="http://schemas.openxmlformats.org/drawingml/2006/chart" xmlns:a="http://schemas.openxmlformats.org/drawingml/2006/main" xmlns:r="http://schemas.openxmlformats.org/officeDocument/2006/relationships">
+  <c:date1904 val="0"/>
+  <c:lang val="pt-BR"/>
+  <c:roundedCorners val="1"/>
+  <mc:AlternateContent xmlns:mc="http://schemas.openxmlformats.org/markup-compatibility/2006">
+    <mc:Choice xmlns:c14="http://schemas.microsoft.com/office/drawing/2007/8/2/chart" Requires="c14">
+      <c14:style val="102"/>
+    </mc:Choice>
+    <mc:Fallback>
+      <c:style val="2"/>
+    </mc:Fallback>
+  </mc:AlternateContent>
+  <c:chart>
+    <c:autoTitleDeleted val="1"/>
+    <c:plotArea>
+      <c:layout>
+        <c:manualLayout>
+          <c:xMode val="edge"/>
+          <c:yMode val="edge"/>
+          <c:x val="8.9108910891089101E-3"/>
+          <c:y val="0.12511230907457327"/>
+          <c:w val="0.95435643564356432"/>
+          <c:h val="0.77637017070979331"/>
+        </c:manualLayout>
+      </c:layout>
+      <c:barChart>
+        <c:barDir val="col"/>
+        <c:grouping val="percentStacked"/>
+        <c:varyColors val="1"/>
+        <c:ser>
+          <c:idx val="0"/>
+          <c:order val="0"/>
+          <c:tx>
+            <c:strRef>
+              <c:f>grafico_questao1!$H$3</c:f>
+              <c:strCache>
+                <c:ptCount val="1"/>
+                <c:pt idx="0">
+                  <c:v>A</c:v>
+                </c:pt>
+              </c:strCache>
+            </c:strRef>
+          </c:tx>
+          <c:invertIfNegative val="1"/>
+          <c:dLbls>
+            <c:spPr>
+              <a:noFill/>
+              <a:ln>
+                <a:noFill/>
+              </a:ln>
+              <a:effectLst/>
+            </c:spPr>
+            <c:txPr>
+              <a:bodyPr/>
+              <a:lstStyle/>
+              <a:p>
+                <a:pPr lvl="0">
+                  <a:defRPr sz="1400" b="1">
+                    <a:solidFill>
+                      <a:srgbClr val="073763"/>
+                    </a:solidFill>
+                  </a:defRPr>
+                </a:pPr>
+                <a:endParaRPr lang="pt-BR"/>
+              </a:p>
+            </c:txPr>
+            <c:showLegendKey val="0"/>
+            <c:showVal val="1"/>
+            <c:showCatName val="0"/>
+            <c:showSerName val="0"/>
+            <c:showPercent val="0"/>
+            <c:showBubbleSize val="0"/>
+            <c:showLeaderLines val="0"/>
+            <c:extLst>
+              <c:ext xmlns:c15="http://schemas.microsoft.com/office/drawing/2012/chart" uri="{CE6537A1-D6FC-4f65-9D91-7224C49458BB}">
+                <c15:layout/>
+                <c15:showLeaderLines val="1"/>
+              </c:ext>
+            </c:extLst>
+          </c:dLbls>
+          <c:cat>
+            <c:strRef>
+              <c:f>grafico_questao1!$G$4:$G$6</c:f>
+              <c:strCache>
+                <c:ptCount val="3"/>
+                <c:pt idx="0">
+                  <c:v>MATCH</c:v>
+                </c:pt>
+                <c:pt idx="1">
+                  <c:v>NOT_MATCH</c:v>
+                </c:pt>
+                <c:pt idx="2">
+                  <c:v>PROVIDER_FAILED</c:v>
+                </c:pt>
+              </c:strCache>
+            </c:strRef>
+          </c:cat>
+          <c:val>
+            <c:numRef>
+              <c:f>grafico_questao1!$H$4:$H$6</c:f>
+              <c:numCache>
+                <c:formatCode>0.0%</c:formatCode>
+                <c:ptCount val="3"/>
+                <c:pt idx="0">
+                  <c:v>0.92147806004618937</c:v>
+                </c:pt>
+                <c:pt idx="1">
+                  <c:v>0.93548387096774188</c:v>
+                </c:pt>
+                <c:pt idx="2">
+                  <c:v>0.78431372549019607</c:v>
+                </c:pt>
+              </c:numCache>
+            </c:numRef>
+          </c:val>
+          <c:extLst/>
+        </c:ser>
+        <c:ser>
+          <c:idx val="1"/>
+          <c:order val="1"/>
+          <c:tx>
+            <c:strRef>
+              <c:f>grafico_questao1!$I$3</c:f>
+              <c:strCache>
+                <c:ptCount val="1"/>
+                <c:pt idx="0">
+                  <c:v>B</c:v>
+                </c:pt>
+              </c:strCache>
+            </c:strRef>
+          </c:tx>
+          <c:invertIfNegative val="1"/>
+          <c:dPt>
+            <c:idx val="1"/>
+            <c:invertIfNegative val="1"/>
+            <c:bubble3D val="0"/>
+          </c:dPt>
+          <c:dLbls>
+            <c:dLbl>
+              <c:idx val="1"/>
+              <c:layout>
+                <c:manualLayout>
+                  <c:x val="3.8551469221357326E-3"/>
+                  <c:y val="-9.6240466462299806E-2"/>
+                </c:manualLayout>
+              </c:layout>
+              <c:spPr/>
+              <c:txPr>
+                <a:bodyPr/>
+                <a:lstStyle/>
+                <a:p>
+                  <a:pPr lvl="0">
+                    <a:defRPr sz="1400" b="1">
+                      <a:solidFill>
+                        <a:srgbClr val="660000"/>
+                      </a:solidFill>
+                    </a:defRPr>
+                  </a:pPr>
+                  <a:endParaRPr lang="pt-BR"/>
+                </a:p>
+              </c:txPr>
+              <c:showLegendKey val="0"/>
+              <c:showVal val="1"/>
+              <c:showCatName val="0"/>
+              <c:showSerName val="0"/>
+              <c:showPercent val="0"/>
+              <c:showBubbleSize val="0"/>
+              <c:extLst>
+                <c:ext xmlns:c15="http://schemas.microsoft.com/office/drawing/2012/chart" uri="{CE6537A1-D6FC-4f65-9D91-7224C49458BB}">
+                  <c15:layout/>
+                </c:ext>
+              </c:extLst>
+            </c:dLbl>
+            <c:spPr>
+              <a:noFill/>
+              <a:ln>
+                <a:noFill/>
+              </a:ln>
+              <a:effectLst/>
+            </c:spPr>
+            <c:txPr>
+              <a:bodyPr/>
+              <a:lstStyle/>
+              <a:p>
+                <a:pPr lvl="0">
+                  <a:defRPr sz="1400" b="1">
+                    <a:solidFill>
+                      <a:srgbClr val="660000"/>
+                    </a:solidFill>
+                  </a:defRPr>
+                </a:pPr>
+                <a:endParaRPr lang="pt-BR"/>
+              </a:p>
+            </c:txPr>
+            <c:showLegendKey val="0"/>
+            <c:showVal val="1"/>
+            <c:showCatName val="0"/>
+            <c:showSerName val="0"/>
+            <c:showPercent val="0"/>
+            <c:showBubbleSize val="0"/>
+            <c:showLeaderLines val="0"/>
+            <c:extLst>
+              <c:ext xmlns:c15="http://schemas.microsoft.com/office/drawing/2012/chart" uri="{CE6537A1-D6FC-4f65-9D91-7224C49458BB}">
+                <c15:layout/>
+                <c15:showLeaderLines val="1"/>
+              </c:ext>
+            </c:extLst>
+          </c:dLbls>
+          <c:cat>
+            <c:strRef>
+              <c:f>grafico_questao1!$G$4:$G$6</c:f>
+              <c:strCache>
+                <c:ptCount val="3"/>
+                <c:pt idx="0">
+                  <c:v>MATCH</c:v>
+                </c:pt>
+                <c:pt idx="1">
+                  <c:v>NOT_MATCH</c:v>
+                </c:pt>
+                <c:pt idx="2">
+                  <c:v>PROVIDER_FAILED</c:v>
+                </c:pt>
+              </c:strCache>
+            </c:strRef>
+          </c:cat>
+          <c:val>
+            <c:numRef>
+              <c:f>grafico_questao1!$I$4:$I$6</c:f>
+              <c:numCache>
+                <c:formatCode>0.0%</c:formatCode>
+                <c:ptCount val="3"/>
+                <c:pt idx="0">
+                  <c:v>6.4665127020785224E-2</c:v>
+                </c:pt>
+                <c:pt idx="1">
+                  <c:v>6.4516129032258063E-2</c:v>
+                </c:pt>
+                <c:pt idx="2">
+                  <c:v>0.15686274509803921</c:v>
+                </c:pt>
+              </c:numCache>
+            </c:numRef>
+          </c:val>
+          <c:extLst/>
+        </c:ser>
+        <c:ser>
+          <c:idx val="2"/>
+          <c:order val="2"/>
+          <c:tx>
+            <c:strRef>
+              <c:f>grafico_questao1!$J$3</c:f>
+              <c:strCache>
+                <c:ptCount val="1"/>
+                <c:pt idx="0">
+                  <c:v>C</c:v>
+                </c:pt>
+              </c:strCache>
+            </c:strRef>
+          </c:tx>
+          <c:invertIfNegative val="1"/>
+          <c:dLbls>
+            <c:spPr>
+              <a:noFill/>
+              <a:ln>
+                <a:noFill/>
+              </a:ln>
+              <a:effectLst/>
+            </c:spPr>
+            <c:txPr>
+              <a:bodyPr/>
+              <a:lstStyle/>
+              <a:p>
+                <a:pPr lvl="0">
+                  <a:defRPr sz="1400" b="1">
+                    <a:solidFill>
+                      <a:srgbClr val="434343"/>
+                    </a:solidFill>
+                  </a:defRPr>
+                </a:pPr>
+                <a:endParaRPr lang="pt-BR"/>
+              </a:p>
+            </c:txPr>
+            <c:showLegendKey val="0"/>
+            <c:showVal val="1"/>
+            <c:showCatName val="0"/>
+            <c:showSerName val="0"/>
+            <c:showPercent val="0"/>
+            <c:showBubbleSize val="0"/>
+            <c:showLeaderLines val="0"/>
+            <c:extLst>
+              <c:ext xmlns:c15="http://schemas.microsoft.com/office/drawing/2012/chart" uri="{CE6537A1-D6FC-4f65-9D91-7224C49458BB}">
+                <c15:layout/>
+                <c15:showLeaderLines val="1"/>
+              </c:ext>
+            </c:extLst>
+          </c:dLbls>
+          <c:cat>
+            <c:strRef>
+              <c:f>grafico_questao1!$G$4:$G$6</c:f>
+              <c:strCache>
+                <c:ptCount val="3"/>
+                <c:pt idx="0">
+                  <c:v>MATCH</c:v>
+                </c:pt>
+                <c:pt idx="1">
+                  <c:v>NOT_MATCH</c:v>
+                </c:pt>
+                <c:pt idx="2">
+                  <c:v>PROVIDER_FAILED</c:v>
+                </c:pt>
+              </c:strCache>
+            </c:strRef>
+          </c:cat>
+          <c:val>
+            <c:numRef>
+              <c:f>grafico_questao1!$J$4:$J$6</c:f>
+              <c:numCache>
+                <c:formatCode>0.0%</c:formatCode>
+                <c:ptCount val="3"/>
+                <c:pt idx="0">
+                  <c:v>1.3856812933025405E-2</c:v>
+                </c:pt>
+                <c:pt idx="1">
+                  <c:v>0</c:v>
+                </c:pt>
+                <c:pt idx="2">
+                  <c:v>5.8823529411764705E-2</c:v>
+                </c:pt>
+              </c:numCache>
+            </c:numRef>
+          </c:val>
+          <c:extLst/>
+        </c:ser>
+        <c:dLbls>
+          <c:showLegendKey val="0"/>
+          <c:showVal val="0"/>
+          <c:showCatName val="0"/>
+          <c:showSerName val="0"/>
+          <c:showPercent val="0"/>
+          <c:showBubbleSize val="0"/>
+        </c:dLbls>
+        <c:gapWidth val="150"/>
+        <c:overlap val="100"/>
+        <c:axId val="2070309040"/>
+        <c:axId val="2070310128"/>
+      </c:barChart>
+      <c:catAx>
+        <c:axId val="2070309040"/>
+        <c:scaling>
+          <c:orientation val="minMax"/>
+        </c:scaling>
+        <c:delete val="0"/>
+        <c:axPos val="b"/>
+        <c:title>
+          <c:tx>
+            <c:rich>
+              <a:bodyPr/>
+              <a:lstStyle/>
+              <a:p>
+                <a:pPr lvl="0">
+                  <a:defRPr b="0">
+                    <a:solidFill>
+                      <a:srgbClr val="000000"/>
+                    </a:solidFill>
+                    <a:latin typeface="+mn-lt"/>
+                  </a:defRPr>
+                </a:pPr>
+                <a:endParaRPr lang="pt-BR"/>
+              </a:p>
+            </c:rich>
+          </c:tx>
+          <c:layout/>
+          <c:overlay val="0"/>
+        </c:title>
+        <c:numFmt formatCode="General" sourceLinked="1"/>
+        <c:majorTickMark val="none"/>
+        <c:minorTickMark val="none"/>
+        <c:tickLblPos val="nextTo"/>
+        <c:txPr>
+          <a:bodyPr/>
+          <a:lstStyle/>
+          <a:p>
+            <a:pPr lvl="0">
+              <a:defRPr sz="1200" b="1">
+                <a:solidFill>
+                  <a:srgbClr val="666666"/>
+                </a:solidFill>
+                <a:latin typeface="+mn-lt"/>
+              </a:defRPr>
+            </a:pPr>
+            <a:endParaRPr lang="pt-BR"/>
+          </a:p>
+        </c:txPr>
+        <c:crossAx val="2070310128"/>
+        <c:crosses val="autoZero"/>
+        <c:auto val="1"/>
+        <c:lblAlgn val="ctr"/>
+        <c:lblOffset val="100"/>
+        <c:noMultiLvlLbl val="1"/>
+      </c:catAx>
+      <c:valAx>
+        <c:axId val="2070310128"/>
+        <c:scaling>
+          <c:orientation val="minMax"/>
+        </c:scaling>
+        <c:delete val="0"/>
+        <c:axPos val="l"/>
+        <c:minorGridlines>
+          <c:spPr>
+            <a:ln>
+              <a:solidFill>
+                <a:srgbClr val="CCCCCC">
+                  <a:alpha val="0"/>
+                </a:srgbClr>
+              </a:solidFill>
+            </a:ln>
+          </c:spPr>
+        </c:minorGridlines>
+        <c:title>
+          <c:tx>
+            <c:rich>
+              <a:bodyPr/>
+              <a:lstStyle/>
+              <a:p>
+                <a:pPr lvl="0">
+                  <a:defRPr b="0">
+                    <a:solidFill>
+                      <a:srgbClr val="000000"/>
+                    </a:solidFill>
+                    <a:latin typeface="+mn-lt"/>
+                  </a:defRPr>
+                </a:pPr>
+                <a:endParaRPr lang="pt-BR"/>
+              </a:p>
+            </c:rich>
+          </c:tx>
+          <c:layout/>
+          <c:overlay val="0"/>
+        </c:title>
+        <c:numFmt formatCode="0%" sourceLinked="1"/>
+        <c:majorTickMark val="none"/>
+        <c:minorTickMark val="none"/>
+        <c:tickLblPos val="nextTo"/>
+        <c:spPr>
+          <a:ln/>
+        </c:spPr>
+        <c:txPr>
+          <a:bodyPr/>
+          <a:lstStyle/>
+          <a:p>
+            <a:pPr lvl="0">
+              <a:defRPr sz="700" b="0">
+                <a:solidFill>
+                  <a:srgbClr val="FFFFFF"/>
+                </a:solidFill>
+                <a:latin typeface="+mn-lt"/>
+              </a:defRPr>
+            </a:pPr>
+            <a:endParaRPr lang="pt-BR"/>
+          </a:p>
+        </c:txPr>
+        <c:crossAx val="2070309040"/>
+        <c:crosses val="autoZero"/>
+        <c:crossBetween val="between"/>
+      </c:valAx>
+    </c:plotArea>
+    <c:legend>
+      <c:legendPos val="r"/>
+      <c:layout>
+        <c:manualLayout>
+          <c:xMode val="edge"/>
+          <c:yMode val="edge"/>
+          <c:x val="0.63151768448329215"/>
+          <c:y val="9.5687331536388164E-3"/>
+        </c:manualLayout>
+      </c:layout>
+      <c:overlay val="0"/>
+      <c:txPr>
+        <a:bodyPr/>
+        <a:lstStyle/>
+        <a:p>
+          <a:pPr lvl="0">
+            <a:defRPr b="0">
+              <a:solidFill>
+                <a:srgbClr val="1A1A1A"/>
+              </a:solidFill>
+              <a:latin typeface="+mn-lt"/>
+            </a:defRPr>
+          </a:pPr>
+          <a:endParaRPr lang="pt-BR"/>
+        </a:p>
+      </c:txPr>
+    </c:legend>
+    <c:plotVisOnly val="1"/>
+    <c:dispBlanksAs val="zero"/>
+    <c:showDLblsOverMax val="1"/>
+  </c:chart>
+  <c:externalData r:id="rId1">
+    <c:autoUpdate val="0"/>
+  </c:externalData>
+  <c:userShapes r:id="rId2"/>
+</c:chartSpace>
+</file>
+
+<file path=ppt/drawings/drawing1.xml><?xml version="1.0" encoding="utf-8"?>
+<c:userShapes xmlns:c="http://schemas.openxmlformats.org/drawingml/2006/chart">
+  <cdr:relSizeAnchor xmlns:cdr="http://schemas.openxmlformats.org/drawingml/2006/chartDrawing">
+    <cdr:from>
+      <cdr:x>0.73513</cdr:x>
+      <cdr:y>0.26499</cdr:y>
+    </cdr:from>
+    <cdr:to>
+      <cdr:x>0.88463</cdr:x>
+      <cdr:y>0.91132</cdr:y>
+    </cdr:to>
+    <cdr:sp macro="" textlink="">
+      <cdr:nvSpPr>
+        <cdr:cNvPr id="2" name="Retângulo de cantos arredondados 1"/>
+        <cdr:cNvSpPr/>
+      </cdr:nvSpPr>
+      <cdr:spPr>
+        <a:xfrm xmlns:a="http://schemas.openxmlformats.org/drawingml/2006/main" rot="5400000">
+          <a:off x="3923930" y="2013904"/>
+          <a:ext cx="2750586" cy="978195"/>
+        </a:xfrm>
+        <a:prstGeom xmlns:a="http://schemas.openxmlformats.org/drawingml/2006/main" prst="roundRect">
+          <a:avLst/>
+        </a:prstGeom>
+        <a:noFill xmlns:a="http://schemas.openxmlformats.org/drawingml/2006/main"/>
+        <a:ln xmlns:a="http://schemas.openxmlformats.org/drawingml/2006/main" w="19050">
+          <a:solidFill>
+            <a:srgbClr val="FF0000"/>
+          </a:solidFill>
+          <a:prstDash val="lgDash"/>
+        </a:ln>
+      </cdr:spPr>
+      <cdr:style>
+        <a:lnRef xmlns:a="http://schemas.openxmlformats.org/drawingml/2006/main" idx="2">
+          <a:schemeClr val="accent1">
+            <a:shade val="50000"/>
+          </a:schemeClr>
+        </a:lnRef>
+        <a:fillRef xmlns:a="http://schemas.openxmlformats.org/drawingml/2006/main" idx="1">
+          <a:schemeClr val="accent1"/>
+        </a:fillRef>
+        <a:effectRef xmlns:a="http://schemas.openxmlformats.org/drawingml/2006/main" idx="0">
+          <a:schemeClr val="accent1"/>
+        </a:effectRef>
+        <a:fontRef xmlns:a="http://schemas.openxmlformats.org/drawingml/2006/main" idx="minor">
+          <a:schemeClr val="lt1"/>
+        </a:fontRef>
+      </cdr:style>
+      <cdr:txBody>
+        <a:bodyPr xmlns:a="http://schemas.openxmlformats.org/drawingml/2006/main" rot="0" spcFirstLastPara="0" vert="horz" wrap="square" lIns="91440" tIns="45720" rIns="91440" bIns="45720" numCol="1" spcCol="0" rtlCol="0" fromWordArt="0" anchor="ctr" anchorCtr="0" forceAA="0" compatLnSpc="1">
+          <a:prstTxWarp prst="textNoShape">
+            <a:avLst/>
+          </a:prstTxWarp>
+          <a:noAutofit/>
+        </a:bodyPr>
+        <a:lstStyle xmlns:a="http://schemas.openxmlformats.org/drawingml/2006/main">
+          <a:defPPr>
+            <a:defRPr lang="pt-BR"/>
+          </a:defPPr>
+          <a:lvl1pPr marL="0" algn="l" defTabSz="914400" rtl="0" eaLnBrk="1" latinLnBrk="0" hangingPunct="1">
+            <a:defRPr sz="1800" kern="1200">
+              <a:solidFill>
+                <a:schemeClr val="lt1"/>
+              </a:solidFill>
+              <a:latin typeface="+mn-lt"/>
+              <a:ea typeface="+mn-ea"/>
+              <a:cs typeface="+mn-cs"/>
+            </a:defRPr>
+          </a:lvl1pPr>
+          <a:lvl2pPr marL="457200" algn="l" defTabSz="914400" rtl="0" eaLnBrk="1" latinLnBrk="0" hangingPunct="1">
+            <a:defRPr sz="1800" kern="1200">
+              <a:solidFill>
+                <a:schemeClr val="lt1"/>
+              </a:solidFill>
+              <a:latin typeface="+mn-lt"/>
+              <a:ea typeface="+mn-ea"/>
+              <a:cs typeface="+mn-cs"/>
+            </a:defRPr>
+          </a:lvl2pPr>
+          <a:lvl3pPr marL="914400" algn="l" defTabSz="914400" rtl="0" eaLnBrk="1" latinLnBrk="0" hangingPunct="1">
+            <a:defRPr sz="1800" kern="1200">
+              <a:solidFill>
+                <a:schemeClr val="lt1"/>
+              </a:solidFill>
+              <a:latin typeface="+mn-lt"/>
+              <a:ea typeface="+mn-ea"/>
+              <a:cs typeface="+mn-cs"/>
+            </a:defRPr>
+          </a:lvl3pPr>
+          <a:lvl4pPr marL="1371600" algn="l" defTabSz="914400" rtl="0" eaLnBrk="1" latinLnBrk="0" hangingPunct="1">
+            <a:defRPr sz="1800" kern="1200">
+              <a:solidFill>
+                <a:schemeClr val="lt1"/>
+              </a:solidFill>
+              <a:latin typeface="+mn-lt"/>
+              <a:ea typeface="+mn-ea"/>
+              <a:cs typeface="+mn-cs"/>
+            </a:defRPr>
+          </a:lvl4pPr>
+          <a:lvl5pPr marL="1828800" algn="l" defTabSz="914400" rtl="0" eaLnBrk="1" latinLnBrk="0" hangingPunct="1">
+            <a:defRPr sz="1800" kern="1200">
+              <a:solidFill>
+                <a:schemeClr val="lt1"/>
+              </a:solidFill>
+              <a:latin typeface="+mn-lt"/>
+              <a:ea typeface="+mn-ea"/>
+              <a:cs typeface="+mn-cs"/>
+            </a:defRPr>
+          </a:lvl5pPr>
+          <a:lvl6pPr marL="2286000" algn="l" defTabSz="914400" rtl="0" eaLnBrk="1" latinLnBrk="0" hangingPunct="1">
+            <a:defRPr sz="1800" kern="1200">
+              <a:solidFill>
+                <a:schemeClr val="lt1"/>
+              </a:solidFill>
+              <a:latin typeface="+mn-lt"/>
+              <a:ea typeface="+mn-ea"/>
+              <a:cs typeface="+mn-cs"/>
+            </a:defRPr>
+          </a:lvl6pPr>
+          <a:lvl7pPr marL="2743200" algn="l" defTabSz="914400" rtl="0" eaLnBrk="1" latinLnBrk="0" hangingPunct="1">
+            <a:defRPr sz="1800" kern="1200">
+              <a:solidFill>
+                <a:schemeClr val="lt1"/>
+              </a:solidFill>
+              <a:latin typeface="+mn-lt"/>
+              <a:ea typeface="+mn-ea"/>
+              <a:cs typeface="+mn-cs"/>
+            </a:defRPr>
+          </a:lvl7pPr>
+          <a:lvl8pPr marL="3200400" algn="l" defTabSz="914400" rtl="0" eaLnBrk="1" latinLnBrk="0" hangingPunct="1">
+            <a:defRPr sz="1800" kern="1200">
+              <a:solidFill>
+                <a:schemeClr val="lt1"/>
+              </a:solidFill>
+              <a:latin typeface="+mn-lt"/>
+              <a:ea typeface="+mn-ea"/>
+              <a:cs typeface="+mn-cs"/>
+            </a:defRPr>
+          </a:lvl8pPr>
+          <a:lvl9pPr marL="3657600" algn="l" defTabSz="914400" rtl="0" eaLnBrk="1" latinLnBrk="0" hangingPunct="1">
+            <a:defRPr sz="1800" kern="1200">
+              <a:solidFill>
+                <a:schemeClr val="lt1"/>
+              </a:solidFill>
+              <a:latin typeface="+mn-lt"/>
+              <a:ea typeface="+mn-ea"/>
+              <a:cs typeface="+mn-cs"/>
+            </a:defRPr>
+          </a:lvl9pPr>
+        </a:lstStyle>
+        <a:p xmlns:a="http://schemas.openxmlformats.org/drawingml/2006/main">
+          <a:pPr algn="ctr"/>
+          <a:endParaRPr lang="pt-BR"/>
+        </a:p>
+      </cdr:txBody>
+    </cdr:sp>
+  </cdr:relSizeAnchor>
+</c:userShapes>
 </file>
 
 <file path=ppt/slideLayouts/slideLayout1.xml><?xml version="1.0" encoding="utf-8"?>
@@ -3828,7 +4493,7 @@
         <p:spPr>
           <a:xfrm>
             <a:off x="7634177" y="1658679"/>
-            <a:ext cx="4263656" cy="1908215"/>
+            <a:ext cx="4263656" cy="3877985"/>
           </a:xfrm>
           <a:prstGeom prst="rect">
             <a:avLst/>
@@ -3855,8 +4520,72 @@
             </a:r>
             <a:r>
               <a:rPr lang="pt-BR" sz="1600" dirty="0" smtClean="0"/>
-              <a:t> que mais falha é o A, pois é o primeiro da esteira de tentativas. Via de regra, o erro sempre acontecerá nesse provedor primeiramente.</a:t>
-            </a:r>
+              <a:t> que mais falha é o A, pois é o primeiro da esteira de tentativas. Via de regra, o erro sempre acontecerá nesse provedor primeiramente. </a:t>
+            </a:r>
+          </a:p>
+          <a:p>
+            <a:pPr marL="285750" indent="-285750" algn="just">
+              <a:buFont typeface="Arial" panose="020B0604020202020204" pitchFamily="34" charset="0"/>
+              <a:buChar char="•"/>
+            </a:pPr>
+            <a:endParaRPr lang="pt-BR" sz="1600" dirty="0"/>
+          </a:p>
+          <a:p>
+            <a:pPr marL="285750" indent="-285750" algn="just">
+              <a:buFont typeface="Arial" panose="020B0604020202020204" pitchFamily="34" charset="0"/>
+              <a:buChar char="•"/>
+            </a:pPr>
+            <a:r>
+              <a:rPr lang="pt-BR" sz="1600" dirty="0" smtClean="0"/>
+              <a:t>A falha do </a:t>
+            </a:r>
+            <a:r>
+              <a:rPr lang="pt-BR" sz="1600" dirty="0" err="1" smtClean="0"/>
+              <a:t>provider</a:t>
+            </a:r>
+            <a:r>
+              <a:rPr lang="pt-BR" sz="1600" dirty="0" smtClean="0"/>
+              <a:t> A é tão grande que é mais de 3 vezes maior do que os outros </a:t>
+            </a:r>
+            <a:r>
+              <a:rPr lang="pt-BR" sz="1600" dirty="0" err="1" smtClean="0"/>
+              <a:t>providers</a:t>
+            </a:r>
+            <a:r>
+              <a:rPr lang="pt-BR" sz="1600" dirty="0" smtClean="0"/>
+              <a:t>.</a:t>
+            </a:r>
+          </a:p>
+          <a:p>
+            <a:pPr algn="just"/>
+            <a:endParaRPr lang="pt-BR" sz="1600" dirty="0"/>
+          </a:p>
+          <a:p>
+            <a:pPr marL="285750" indent="-285750" algn="just">
+              <a:buFont typeface="Arial" panose="020B0604020202020204" pitchFamily="34" charset="0"/>
+              <a:buChar char="•"/>
+            </a:pPr>
+            <a:r>
+              <a:rPr lang="pt-BR" sz="1600" dirty="0" smtClean="0"/>
+              <a:t>Ações: identificar as principais causas de falha do </a:t>
+            </a:r>
+            <a:r>
+              <a:rPr lang="pt-BR" sz="1600" dirty="0" err="1" smtClean="0"/>
+              <a:t>provider</a:t>
+            </a:r>
+            <a:r>
+              <a:rPr lang="pt-BR" sz="1600" dirty="0" smtClean="0"/>
+              <a:t> A e também entender a magnitude de quase 20% de falha no </a:t>
+            </a:r>
+            <a:r>
+              <a:rPr lang="pt-BR" sz="1600" dirty="0" err="1" smtClean="0"/>
+              <a:t>provider</a:t>
+            </a:r>
+            <a:r>
+              <a:rPr lang="pt-BR" sz="1600" smtClean="0"/>
+              <a:t> B.</a:t>
+            </a:r>
+            <a:endParaRPr lang="pt-BR" sz="1600" dirty="0" smtClean="0"/>
           </a:p>
           <a:p>
             <a:pPr marL="285750" indent="-285750">
@@ -3881,76 +4610,30 @@
           </a:p>
         </p:txBody>
       </p:sp>
-      <p:pic>
-        <p:nvPicPr>
-          <p:cNvPr id="6" name="Imagem 5"/>
-          <p:cNvPicPr>
-            <a:picLocks noChangeAspect="1"/>
-          </p:cNvPicPr>
-          <p:nvPr/>
-        </p:nvPicPr>
-        <p:blipFill rotWithShape="1">
-          <a:blip r:embed="rId3"/>
-          <a:srcRect r="2826"/>
-          <a:stretch/>
-        </p:blipFill>
-        <p:spPr>
-          <a:xfrm>
-            <a:off x="308886" y="1573618"/>
-            <a:ext cx="5762306" cy="4657061"/>
-          </a:xfrm>
-          <a:prstGeom prst="rect">
-            <a:avLst/>
-          </a:prstGeom>
-        </p:spPr>
-      </p:pic>
-      <p:sp>
-        <p:nvSpPr>
-          <p:cNvPr id="22" name="Retângulo de cantos arredondados 21"/>
-          <p:cNvSpPr/>
-          <p:nvPr/>
-        </p:nvSpPr>
-        <p:spPr>
-          <a:xfrm rot="5400000">
-            <a:off x="-192074" y="3005020"/>
-            <a:ext cx="4171986" cy="1879320"/>
-          </a:xfrm>
-          <a:prstGeom prst="roundRect">
-            <a:avLst/>
-          </a:prstGeom>
-          <a:noFill/>
-          <a:ln w="19050">
-            <a:solidFill>
-              <a:srgbClr val="FF0000"/>
-            </a:solidFill>
-            <a:prstDash val="lgDash"/>
-          </a:ln>
-        </p:spPr>
-        <p:style>
-          <a:lnRef idx="2">
-            <a:schemeClr val="accent1">
-              <a:shade val="50000"/>
-            </a:schemeClr>
-          </a:lnRef>
-          <a:fillRef idx="1">
-            <a:schemeClr val="accent1"/>
-          </a:fillRef>
-          <a:effectRef idx="0">
-            <a:schemeClr val="accent1"/>
-          </a:effectRef>
-          <a:fontRef idx="minor">
-            <a:schemeClr val="lt1"/>
-          </a:fontRef>
-        </p:style>
-        <p:txBody>
-          <a:bodyPr rtlCol="0" anchor="ctr"/>
-          <a:lstStyle/>
-          <a:p>
-            <a:pPr algn="ctr"/>
-            <a:endParaRPr lang="pt-BR"/>
-          </a:p>
-        </p:txBody>
-      </p:sp>
+      <p:graphicFrame>
+        <p:nvGraphicFramePr>
+          <p:cNvPr id="28" name="Chart 1" title="Gráfico"/>
+          <p:cNvGraphicFramePr>
+            <a:graphicFrameLocks/>
+          </p:cNvGraphicFramePr>
+          <p:nvPr>
+            <p:extLst>
+              <p:ext uri="{D42A27DB-BD31-4B8C-83A1-F6EECF244321}">
+                <p14:modId xmlns:p14="http://schemas.microsoft.com/office/powerpoint/2010/main" val="897715859"/>
+              </p:ext>
+            </p:extLst>
+          </p:nvPr>
+        </p:nvGraphicFramePr>
+        <p:xfrm>
+          <a:off x="304135" y="1969615"/>
+          <a:ext cx="6543232" cy="4255690"/>
+        </p:xfrm>
+        <a:graphic>
+          <a:graphicData uri="http://schemas.openxmlformats.org/drawingml/2006/chart">
+            <c:chart xmlns:c="http://schemas.openxmlformats.org/drawingml/2006/chart" xmlns:r="http://schemas.openxmlformats.org/officeDocument/2006/relationships" r:id="rId3"/>
+          </a:graphicData>
+        </a:graphic>
+      </p:graphicFrame>
     </p:spTree>
     <p:extLst>
       <p:ext uri="{BB962C8B-B14F-4D97-AF65-F5344CB8AC3E}">
